--- a/1/DL.pptx
+++ b/1/DL.pptx
@@ -11,7 +11,11 @@
     <p:sldId id="260" r:id="rId5"/>
     <p:sldId id="264" r:id="rId6"/>
     <p:sldId id="266" r:id="rId7"/>
-    <p:sldId id="265" r:id="rId8"/>
+    <p:sldId id="267" r:id="rId8"/>
+    <p:sldId id="268" r:id="rId9"/>
+    <p:sldId id="269" r:id="rId10"/>
+    <p:sldId id="270" r:id="rId11"/>
+    <p:sldId id="271" r:id="rId12"/>
   </p:sldIdLst>
   <p:sldSz cx="12192000" cy="6858000"/>
   <p:notesSz cx="6858000" cy="9144000"/>
@@ -3419,6 +3423,480 @@
 </p:sld>
 </file>
 
+<file path=ppt/slides/slide10.xml><?xml version="1.0" encoding="utf-8"?>
+<p:sld xmlns:a="http://schemas.openxmlformats.org/drawingml/2006/main" xmlns:r="http://schemas.openxmlformats.org/officeDocument/2006/relationships" xmlns:p="http://schemas.openxmlformats.org/presentationml/2006/main">
+  <p:cSld>
+    <p:spTree>
+      <p:nvGrpSpPr>
+        <p:cNvPr id="1" name=""/>
+        <p:cNvGrpSpPr/>
+        <p:nvPr/>
+      </p:nvGrpSpPr>
+      <p:grpSpPr>
+        <a:xfrm>
+          <a:off x="0" y="0"/>
+          <a:ext cx="0" cy="0"/>
+          <a:chOff x="0" y="0"/>
+          <a:chExt cx="0" cy="0"/>
+        </a:xfrm>
+      </p:grpSpPr>
+      <p:sp>
+        <p:nvSpPr>
+          <p:cNvPr id="2" name="Title 1">
+            <a:extLst>
+              <a:ext uri="{FF2B5EF4-FFF2-40B4-BE49-F238E27FC236}">
+                <a16:creationId xmlns:a16="http://schemas.microsoft.com/office/drawing/2014/main" id="{3C6A60D5-3C47-3B73-DDCE-05E3F5DC9AA2}"/>
+              </a:ext>
+            </a:extLst>
+          </p:cNvPr>
+          <p:cNvSpPr>
+            <a:spLocks noGrp="1"/>
+          </p:cNvSpPr>
+          <p:nvPr>
+            <p:ph type="title"/>
+          </p:nvPr>
+        </p:nvSpPr>
+        <p:spPr/>
+        <p:txBody>
+          <a:bodyPr/>
+          <a:lstStyle/>
+          <a:p>
+            <a:r>
+              <a:rPr lang="en-KR" dirty="0"/>
+              <a:t>Remark</a:t>
+            </a:r>
+          </a:p>
+        </p:txBody>
+      </p:sp>
+      <p:sp>
+        <p:nvSpPr>
+          <p:cNvPr id="3" name="Content Placeholder 2">
+            <a:extLst>
+              <a:ext uri="{FF2B5EF4-FFF2-40B4-BE49-F238E27FC236}">
+                <a16:creationId xmlns:a16="http://schemas.microsoft.com/office/drawing/2014/main" id="{1DD450D9-6E24-DDBB-F452-0F45AA70E3E2}"/>
+              </a:ext>
+            </a:extLst>
+          </p:cNvPr>
+          <p:cNvSpPr>
+            <a:spLocks noGrp="1"/>
+          </p:cNvSpPr>
+          <p:nvPr>
+            <p:ph idx="1"/>
+          </p:nvPr>
+        </p:nvSpPr>
+        <p:spPr/>
+        <p:txBody>
+          <a:bodyPr/>
+          <a:lstStyle/>
+          <a:p>
+            <a:r>
+              <a:rPr lang="en-US" dirty="0"/>
+              <a:t>w</a:t>
+            </a:r>
+            <a:r>
+              <a:rPr lang="en-KR" dirty="0"/>
+              <a:t>의</a:t>
+            </a:r>
+            <a:r>
+              <a:rPr lang="ko-KR" altLang="en-US" dirty="0"/>
+              <a:t> 일반해를 구하지 않음</a:t>
+            </a:r>
+            <a:endParaRPr lang="en-US" altLang="ko-KR" dirty="0"/>
+          </a:p>
+          <a:p>
+            <a:r>
+              <a:rPr lang="en-US" dirty="0"/>
+              <a:t>Loss</a:t>
+            </a:r>
+            <a:r>
+              <a:rPr lang="ko-KR" altLang="en-US" dirty="0" err="1"/>
+              <a:t>를</a:t>
+            </a:r>
+            <a:r>
+              <a:rPr lang="ko-KR" altLang="en-US" dirty="0"/>
+              <a:t> 적절히 </a:t>
+            </a:r>
+            <a:r>
+              <a:rPr lang="ko-KR" altLang="en-US" dirty="0" err="1"/>
+              <a:t>짤수만</a:t>
+            </a:r>
+            <a:r>
+              <a:rPr lang="ko-KR" altLang="en-US" dirty="0"/>
+              <a:t> 있으면 어떤 식이든 학습가능</a:t>
+            </a:r>
+            <a:endParaRPr lang="en-KR" dirty="0"/>
+          </a:p>
+        </p:txBody>
+      </p:sp>
+    </p:spTree>
+    <p:extLst>
+      <p:ext uri="{BB962C8B-B14F-4D97-AF65-F5344CB8AC3E}">
+        <p14:creationId xmlns:p14="http://schemas.microsoft.com/office/powerpoint/2010/main" val="4067565381"/>
+      </p:ext>
+    </p:extLst>
+  </p:cSld>
+  <p:clrMapOvr>
+    <a:masterClrMapping/>
+  </p:clrMapOvr>
+</p:sld>
+</file>
+
+<file path=ppt/slides/slide11.xml><?xml version="1.0" encoding="utf-8"?>
+<p:sld xmlns:a="http://schemas.openxmlformats.org/drawingml/2006/main" xmlns:r="http://schemas.openxmlformats.org/officeDocument/2006/relationships" xmlns:p="http://schemas.openxmlformats.org/presentationml/2006/main">
+  <p:cSld>
+    <p:spTree>
+      <p:nvGrpSpPr>
+        <p:cNvPr id="1" name=""/>
+        <p:cNvGrpSpPr/>
+        <p:nvPr/>
+      </p:nvGrpSpPr>
+      <p:grpSpPr>
+        <a:xfrm>
+          <a:off x="0" y="0"/>
+          <a:ext cx="0" cy="0"/>
+          <a:chOff x="0" y="0"/>
+          <a:chExt cx="0" cy="0"/>
+        </a:xfrm>
+      </p:grpSpPr>
+      <p:sp>
+        <p:nvSpPr>
+          <p:cNvPr id="2" name="Title 1">
+            <a:extLst>
+              <a:ext uri="{FF2B5EF4-FFF2-40B4-BE49-F238E27FC236}">
+                <a16:creationId xmlns:a16="http://schemas.microsoft.com/office/drawing/2014/main" id="{83EEE5F9-77DB-11C5-9659-47301E8B73D9}"/>
+              </a:ext>
+            </a:extLst>
+          </p:cNvPr>
+          <p:cNvSpPr>
+            <a:spLocks noGrp="1"/>
+          </p:cNvSpPr>
+          <p:nvPr>
+            <p:ph type="title"/>
+          </p:nvPr>
+        </p:nvSpPr>
+        <p:spPr/>
+        <p:txBody>
+          <a:bodyPr/>
+          <a:lstStyle/>
+          <a:p>
+            <a:r>
+              <a:rPr lang="en-KR" dirty="0"/>
+              <a:t>NN (Neural Network)</a:t>
+            </a:r>
+          </a:p>
+        </p:txBody>
+      </p:sp>
+      <p:pic>
+        <p:nvPicPr>
+          <p:cNvPr id="5" name="Content Placeholder 4" descr="A diagram of a network&#10;&#10;AI-generated content may be incorrect.">
+            <a:extLst>
+              <a:ext uri="{FF2B5EF4-FFF2-40B4-BE49-F238E27FC236}">
+                <a16:creationId xmlns:a16="http://schemas.microsoft.com/office/drawing/2014/main" id="{C7E2012C-5DAE-B425-B5ED-C858BB91070D}"/>
+              </a:ext>
+            </a:extLst>
+          </p:cNvPr>
+          <p:cNvPicPr>
+            <a:picLocks noGrp="1" noChangeAspect="1"/>
+          </p:cNvPicPr>
+          <p:nvPr>
+            <p:ph idx="1"/>
+          </p:nvPr>
+        </p:nvPicPr>
+        <p:blipFill>
+          <a:blip r:embed="rId2"/>
+          <a:stretch>
+            <a:fillRect/>
+          </a:stretch>
+        </p:blipFill>
+        <p:spPr>
+          <a:xfrm>
+            <a:off x="5770455" y="1462651"/>
+            <a:ext cx="6221068" cy="3499351"/>
+          </a:xfrm>
+        </p:spPr>
+      </p:pic>
+      <p:sp>
+        <p:nvSpPr>
+          <p:cNvPr id="6" name="TextBox 5">
+            <a:extLst>
+              <a:ext uri="{FF2B5EF4-FFF2-40B4-BE49-F238E27FC236}">
+                <a16:creationId xmlns:a16="http://schemas.microsoft.com/office/drawing/2014/main" id="{3B45E6B1-9376-377F-4789-F923E362B4D5}"/>
+              </a:ext>
+            </a:extLst>
+          </p:cNvPr>
+          <p:cNvSpPr txBox="1"/>
+          <p:nvPr/>
+        </p:nvSpPr>
+        <p:spPr>
+          <a:xfrm>
+            <a:off x="725240" y="5931199"/>
+            <a:ext cx="6097772" cy="369332"/>
+          </a:xfrm>
+          <a:prstGeom prst="rect">
+            <a:avLst/>
+          </a:prstGeom>
+          <a:noFill/>
+        </p:spPr>
+        <p:txBody>
+          <a:bodyPr wrap="square">
+            <a:spAutoFit/>
+          </a:bodyPr>
+          <a:lstStyle/>
+          <a:p>
+            <a:r>
+              <a:rPr lang="en-US" dirty="0">
+                <a:solidFill>
+                  <a:schemeClr val="bg1">
+                    <a:lumMod val="75000"/>
+                  </a:schemeClr>
+                </a:solidFill>
+              </a:rPr>
+              <a:t>https://</a:t>
+            </a:r>
+            <a:r>
+              <a:rPr lang="en-US" dirty="0" err="1">
+                <a:solidFill>
+                  <a:schemeClr val="bg1">
+                    <a:lumMod val="75000"/>
+                  </a:schemeClr>
+                </a:solidFill>
+              </a:rPr>
+              <a:t>www.ibm.com</a:t>
+            </a:r>
+            <a:r>
+              <a:rPr lang="en-US" dirty="0">
+                <a:solidFill>
+                  <a:schemeClr val="bg1">
+                    <a:lumMod val="75000"/>
+                  </a:schemeClr>
+                </a:solidFill>
+              </a:rPr>
+              <a:t>/think/topics/neural-networks</a:t>
+            </a:r>
+            <a:endParaRPr lang="en-KR" dirty="0">
+              <a:solidFill>
+                <a:schemeClr val="bg1">
+                  <a:lumMod val="75000"/>
+                </a:schemeClr>
+              </a:solidFill>
+            </a:endParaRPr>
+          </a:p>
+        </p:txBody>
+      </p:sp>
+      <p:sp>
+        <p:nvSpPr>
+          <p:cNvPr id="7" name="Oval 6">
+            <a:extLst>
+              <a:ext uri="{FF2B5EF4-FFF2-40B4-BE49-F238E27FC236}">
+                <a16:creationId xmlns:a16="http://schemas.microsoft.com/office/drawing/2014/main" id="{5A46C34E-091B-8901-5CBA-21AD75AEF57D}"/>
+              </a:ext>
+            </a:extLst>
+          </p:cNvPr>
+          <p:cNvSpPr/>
+          <p:nvPr/>
+        </p:nvSpPr>
+        <p:spPr>
+          <a:xfrm>
+            <a:off x="955827" y="3212327"/>
+            <a:ext cx="857070" cy="857070"/>
+          </a:xfrm>
+          <a:prstGeom prst="ellipse">
+            <a:avLst/>
+          </a:prstGeom>
+        </p:spPr>
+        <p:style>
+          <a:lnRef idx="2">
+            <a:schemeClr val="accent6"/>
+          </a:lnRef>
+          <a:fillRef idx="1">
+            <a:schemeClr val="lt1"/>
+          </a:fillRef>
+          <a:effectRef idx="0">
+            <a:schemeClr val="accent6"/>
+          </a:effectRef>
+          <a:fontRef idx="minor">
+            <a:schemeClr val="dk1"/>
+          </a:fontRef>
+        </p:style>
+        <p:txBody>
+          <a:bodyPr rtlCol="0" anchor="ctr"/>
+          <a:lstStyle/>
+          <a:p>
+            <a:pPr algn="ctr"/>
+            <a:r>
+              <a:rPr lang="en-KR" dirty="0"/>
+              <a:t>x</a:t>
+            </a:r>
+          </a:p>
+        </p:txBody>
+      </p:sp>
+      <p:sp>
+        <p:nvSpPr>
+          <p:cNvPr id="8" name="Oval 7">
+            <a:extLst>
+              <a:ext uri="{FF2B5EF4-FFF2-40B4-BE49-F238E27FC236}">
+                <a16:creationId xmlns:a16="http://schemas.microsoft.com/office/drawing/2014/main" id="{4EB31451-7CA4-00E1-FD9E-5D3DDC20C5B1}"/>
+              </a:ext>
+            </a:extLst>
+          </p:cNvPr>
+          <p:cNvSpPr/>
+          <p:nvPr/>
+        </p:nvSpPr>
+        <p:spPr>
+          <a:xfrm>
+            <a:off x="3439721" y="3212327"/>
+            <a:ext cx="857070" cy="857070"/>
+          </a:xfrm>
+          <a:prstGeom prst="ellipse">
+            <a:avLst/>
+          </a:prstGeom>
+        </p:spPr>
+        <p:style>
+          <a:lnRef idx="2">
+            <a:schemeClr val="accent6"/>
+          </a:lnRef>
+          <a:fillRef idx="1">
+            <a:schemeClr val="lt1"/>
+          </a:fillRef>
+          <a:effectRef idx="0">
+            <a:schemeClr val="accent6"/>
+          </a:effectRef>
+          <a:fontRef idx="minor">
+            <a:schemeClr val="dk1"/>
+          </a:fontRef>
+        </p:style>
+        <p:txBody>
+          <a:bodyPr rtlCol="0" anchor="ctr"/>
+          <a:lstStyle/>
+          <a:p>
+            <a:pPr algn="ctr"/>
+            <a:r>
+              <a:rPr lang="en-KR" dirty="0"/>
+              <a:t>y</a:t>
+            </a:r>
+          </a:p>
+        </p:txBody>
+      </p:sp>
+      <p:cxnSp>
+        <p:nvCxnSpPr>
+          <p:cNvPr id="10" name="Straight Arrow Connector 9">
+            <a:extLst>
+              <a:ext uri="{FF2B5EF4-FFF2-40B4-BE49-F238E27FC236}">
+                <a16:creationId xmlns:a16="http://schemas.microsoft.com/office/drawing/2014/main" id="{FCA9B19A-E663-8F26-6F32-1151AB49B6D3}"/>
+              </a:ext>
+            </a:extLst>
+          </p:cNvPr>
+          <p:cNvCxnSpPr>
+            <a:stCxn id="7" idx="6"/>
+            <a:endCxn id="8" idx="2"/>
+          </p:cNvCxnSpPr>
+          <p:nvPr/>
+        </p:nvCxnSpPr>
+        <p:spPr>
+          <a:xfrm>
+            <a:off x="1812897" y="3640862"/>
+            <a:ext cx="1626824" cy="0"/>
+          </a:xfrm>
+          <a:prstGeom prst="straightConnector1">
+            <a:avLst/>
+          </a:prstGeom>
+          <a:ln>
+            <a:tailEnd type="triangle"/>
+          </a:ln>
+        </p:spPr>
+        <p:style>
+          <a:lnRef idx="2">
+            <a:schemeClr val="accent1"/>
+          </a:lnRef>
+          <a:fillRef idx="0">
+            <a:schemeClr val="accent1"/>
+          </a:fillRef>
+          <a:effectRef idx="1">
+            <a:schemeClr val="accent1"/>
+          </a:effectRef>
+          <a:fontRef idx="minor">
+            <a:schemeClr val="tx1"/>
+          </a:fontRef>
+        </p:style>
+      </p:cxnSp>
+      <p:sp>
+        <p:nvSpPr>
+          <p:cNvPr id="11" name="TextBox 10">
+            <a:extLst>
+              <a:ext uri="{FF2B5EF4-FFF2-40B4-BE49-F238E27FC236}">
+                <a16:creationId xmlns:a16="http://schemas.microsoft.com/office/drawing/2014/main" id="{4C6664E6-98CD-9EF3-6D65-7658F3B2B4A4}"/>
+              </a:ext>
+            </a:extLst>
+          </p:cNvPr>
+          <p:cNvSpPr txBox="1"/>
+          <p:nvPr/>
+        </p:nvSpPr>
+        <p:spPr>
+          <a:xfrm>
+            <a:off x="2351465" y="3271530"/>
+            <a:ext cx="462371" cy="369332"/>
+          </a:xfrm>
+          <a:prstGeom prst="rect">
+            <a:avLst/>
+          </a:prstGeom>
+          <a:noFill/>
+        </p:spPr>
+        <p:txBody>
+          <a:bodyPr wrap="none" rtlCol="0">
+            <a:spAutoFit/>
+          </a:bodyPr>
+          <a:lstStyle/>
+          <a:p>
+            <a:r>
+              <a:rPr lang="en-KR" dirty="0"/>
+              <a:t>*w</a:t>
+            </a:r>
+          </a:p>
+        </p:txBody>
+      </p:sp>
+      <p:pic>
+        <p:nvPicPr>
+          <p:cNvPr id="17" name="Picture 16" descr="A mathematical equation with numbers and lines&#10;&#10;AI-generated content may be incorrect.">
+            <a:extLst>
+              <a:ext uri="{FF2B5EF4-FFF2-40B4-BE49-F238E27FC236}">
+                <a16:creationId xmlns:a16="http://schemas.microsoft.com/office/drawing/2014/main" id="{184F398C-76F2-80F5-96B0-3B3409779BA3}"/>
+              </a:ext>
+            </a:extLst>
+          </p:cNvPr>
+          <p:cNvPicPr>
+            <a:picLocks noChangeAspect="1"/>
+          </p:cNvPicPr>
+          <p:nvPr/>
+        </p:nvPicPr>
+        <p:blipFill>
+          <a:blip r:embed="rId3"/>
+          <a:stretch>
+            <a:fillRect/>
+          </a:stretch>
+        </p:blipFill>
+        <p:spPr>
+          <a:xfrm>
+            <a:off x="7490339" y="4880999"/>
+            <a:ext cx="2781300" cy="1028700"/>
+          </a:xfrm>
+          <a:prstGeom prst="rect">
+            <a:avLst/>
+          </a:prstGeom>
+        </p:spPr>
+      </p:pic>
+    </p:spTree>
+    <p:extLst>
+      <p:ext uri="{BB962C8B-B14F-4D97-AF65-F5344CB8AC3E}">
+        <p14:creationId xmlns:p14="http://schemas.microsoft.com/office/powerpoint/2010/main" val="2727077352"/>
+      </p:ext>
+    </p:extLst>
+  </p:cSld>
+  <p:clrMapOvr>
+    <a:masterClrMapping/>
+  </p:clrMapOvr>
+</p:sld>
+</file>
+
 <file path=ppt/slides/slide2.xml><?xml version="1.0" encoding="utf-8"?>
 <p:sld xmlns:a="http://schemas.openxmlformats.org/drawingml/2006/main" xmlns:r="http://schemas.openxmlformats.org/officeDocument/2006/relationships" xmlns:p="http://schemas.openxmlformats.org/presentationml/2006/main">
   <p:cSld>
@@ -4308,19 +4786,17 @@
       </p:sp>
       <p:pic>
         <p:nvPicPr>
-          <p:cNvPr id="11" name="Content Placeholder 10" descr="A graph of a line graph&#10;&#10;AI-generated content may be incorrect.">
-            <a:extLst>
-              <a:ext uri="{FF2B5EF4-FFF2-40B4-BE49-F238E27FC236}">
-                <a16:creationId xmlns:a16="http://schemas.microsoft.com/office/drawing/2014/main" id="{2C811415-E75A-FD42-806E-A43CB2B193C3}"/>
+          <p:cNvPr id="13" name="Picture 12" descr="A screenshot of a computer&#10;&#10;AI-generated content may be incorrect.">
+            <a:extLst>
+              <a:ext uri="{FF2B5EF4-FFF2-40B4-BE49-F238E27FC236}">
+                <a16:creationId xmlns:a16="http://schemas.microsoft.com/office/drawing/2014/main" id="{A0D3715F-D310-F272-3ED5-BB36ADBD5979}"/>
               </a:ext>
             </a:extLst>
           </p:cNvPr>
           <p:cNvPicPr>
-            <a:picLocks noGrp="1" noChangeAspect="1"/>
+            <a:picLocks noChangeAspect="1"/>
           </p:cNvPicPr>
-          <p:nvPr>
-            <p:ph idx="1"/>
-          </p:nvPr>
+          <p:nvPr/>
         </p:nvPicPr>
         <p:blipFill>
           <a:blip r:embed="rId2"/>
@@ -4330,17 +4806,20 @@
         </p:blipFill>
         <p:spPr>
           <a:xfrm>
-            <a:off x="725240" y="1343643"/>
-            <a:ext cx="5609441" cy="4207081"/>
+            <a:off x="7335718" y="18184"/>
+            <a:ext cx="4856282" cy="6858000"/>
           </a:xfrm>
+          <a:prstGeom prst="rect">
+            <a:avLst/>
+          </a:prstGeom>
         </p:spPr>
       </p:pic>
       <p:pic>
         <p:nvPicPr>
-          <p:cNvPr id="13" name="Picture 12" descr="A screenshot of a computer&#10;&#10;AI-generated content may be incorrect.">
-            <a:extLst>
-              <a:ext uri="{FF2B5EF4-FFF2-40B4-BE49-F238E27FC236}">
-                <a16:creationId xmlns:a16="http://schemas.microsoft.com/office/drawing/2014/main" id="{A0D3715F-D310-F272-3ED5-BB36ADBD5979}"/>
+          <p:cNvPr id="9" name="Picture 8" descr="A graph of a line graph&#10;&#10;AI-generated content may be incorrect.">
+            <a:extLst>
+              <a:ext uri="{FF2B5EF4-FFF2-40B4-BE49-F238E27FC236}">
+                <a16:creationId xmlns:a16="http://schemas.microsoft.com/office/drawing/2014/main" id="{26FD7144-C293-6A6D-BBDA-B8063F3F7CF9}"/>
               </a:ext>
             </a:extLst>
           </p:cNvPr>
@@ -4357,8 +4836,38 @@
         </p:blipFill>
         <p:spPr>
           <a:xfrm>
-            <a:off x="7335718" y="18184"/>
-            <a:ext cx="4856282" cy="6858000"/>
+            <a:off x="191231" y="2037629"/>
+            <a:ext cx="3512509" cy="2634382"/>
+          </a:xfrm>
+          <a:prstGeom prst="rect">
+            <a:avLst/>
+          </a:prstGeom>
+        </p:spPr>
+      </p:pic>
+      <p:pic>
+        <p:nvPicPr>
+          <p:cNvPr id="15" name="Picture 14" descr="A graph of loss function&#10;&#10;AI-generated content may be incorrect.">
+            <a:extLst>
+              <a:ext uri="{FF2B5EF4-FFF2-40B4-BE49-F238E27FC236}">
+                <a16:creationId xmlns:a16="http://schemas.microsoft.com/office/drawing/2014/main" id="{961CC30F-21CF-3B13-0E7C-9F21370B7A57}"/>
+              </a:ext>
+            </a:extLst>
+          </p:cNvPr>
+          <p:cNvPicPr>
+            <a:picLocks noChangeAspect="1"/>
+          </p:cNvPicPr>
+          <p:nvPr/>
+        </p:nvPicPr>
+        <p:blipFill>
+          <a:blip r:embed="rId4"/>
+          <a:stretch>
+            <a:fillRect/>
+          </a:stretch>
+        </p:blipFill>
+        <p:spPr>
+          <a:xfrm>
+            <a:off x="3703740" y="2037629"/>
+            <a:ext cx="3512509" cy="2634382"/>
           </a:xfrm>
           <a:prstGeom prst="rect">
             <a:avLst/>
@@ -4422,7 +4931,19 @@
             </a:r>
             <a:r>
               <a:rPr lang="ko-KR" altLang="en-US" dirty="0"/>
-              <a:t>가장 잘 맞는 기울기 찾기</a:t>
+              <a:t>기울기 </a:t>
+            </a:r>
+            <a:r>
+              <a:rPr lang="en-US" altLang="ko-KR" dirty="0"/>
+              <a:t>Fitting (y=</a:t>
+            </a:r>
+            <a:r>
+              <a:rPr lang="en-US" altLang="ko-KR" dirty="0" err="1"/>
+              <a:t>wx</a:t>
+            </a:r>
+            <a:r>
+              <a:rPr lang="en-US" altLang="ko-KR" dirty="0"/>
+              <a:t>)</a:t>
             </a:r>
             <a:endParaRPr lang="en-KR" dirty="0"/>
           </a:p>
@@ -4452,7 +4973,7 @@
         </p:blipFill>
         <p:spPr>
           <a:xfrm>
-            <a:off x="4766366" y="1835391"/>
+            <a:off x="5855694" y="1690688"/>
             <a:ext cx="5283200" cy="4152900"/>
           </a:xfrm>
         </p:spPr>
@@ -4671,38 +5192,42 @@
             </a:r>
             <a:r>
               <a:rPr lang="en-US" altLang="ko-KR" dirty="0"/>
-              <a:t>-&gt;</a:t>
-            </a:r>
-            <a:r>
-              <a:rPr lang="ko-KR" altLang="en-US" dirty="0"/>
-              <a:t> </a:t>
-            </a:r>
-            <a:r>
-              <a:rPr lang="en-US" altLang="ko-KR" dirty="0"/>
-              <a:t>Loss</a:t>
-            </a:r>
-          </a:p>
-          <a:p>
-            <a:pPr marL="0" indent="0">
-              <a:buFont typeface="Arial" panose="020B0604020202020204" pitchFamily="34" charset="0"/>
-              <a:buNone/>
-            </a:pPr>
-            <a:r>
-              <a:rPr lang="en-US" altLang="ko-KR" dirty="0"/>
-              <a:t>-</a:t>
-            </a:r>
-            <a:r>
-              <a:rPr lang="ko-KR" altLang="en-US" dirty="0"/>
-              <a:t> </a:t>
-            </a:r>
-            <a:r>
-              <a:rPr lang="en-US" altLang="ko-KR"/>
-              <a:t>GD</a:t>
+              <a:t>(Loss Function)</a:t>
             </a:r>
             <a:endParaRPr lang="en-KR" dirty="0"/>
           </a:p>
         </p:txBody>
       </p:sp>
+      <p:pic>
+        <p:nvPicPr>
+          <p:cNvPr id="13" name="Picture 12" descr="A mathematical equation with numbers and symbols&#10;&#10;AI-generated content may be incorrect.">
+            <a:extLst>
+              <a:ext uri="{FF2B5EF4-FFF2-40B4-BE49-F238E27FC236}">
+                <a16:creationId xmlns:a16="http://schemas.microsoft.com/office/drawing/2014/main" id="{182C01D6-63A6-F1FE-DABF-F0236E498D27}"/>
+              </a:ext>
+            </a:extLst>
+          </p:cNvPr>
+          <p:cNvPicPr>
+            <a:picLocks noChangeAspect="1"/>
+          </p:cNvPicPr>
+          <p:nvPr/>
+        </p:nvPicPr>
+        <p:blipFill>
+          <a:blip r:embed="rId3"/>
+          <a:stretch>
+            <a:fillRect/>
+          </a:stretch>
+        </p:blipFill>
+        <p:spPr>
+          <a:xfrm>
+            <a:off x="838200" y="3052290"/>
+            <a:ext cx="4802588" cy="1635816"/>
+          </a:xfrm>
+          <a:prstGeom prst="rect">
+            <a:avLst/>
+          </a:prstGeom>
+        </p:spPr>
+      </p:pic>
     </p:spTree>
     <p:extLst>
       <p:ext uri="{BB962C8B-B14F-4D97-AF65-F5344CB8AC3E}">
@@ -4738,7 +5263,7 @@
           <p:cNvPr id="2" name="Title 1">
             <a:extLst>
               <a:ext uri="{FF2B5EF4-FFF2-40B4-BE49-F238E27FC236}">
-                <a16:creationId xmlns:a16="http://schemas.microsoft.com/office/drawing/2014/main" id="{0DE66CF0-FDBE-3A97-B484-40768927F793}"/>
+                <a16:creationId xmlns:a16="http://schemas.microsoft.com/office/drawing/2014/main" id="{F83A7D02-59BB-3890-BFC7-8A78A0A85982}"/>
               </a:ext>
             </a:extLst>
           </p:cNvPr>
@@ -4754,16 +5279,383 @@
           <a:bodyPr/>
           <a:lstStyle/>
           <a:p>
-            <a:endParaRPr lang="en-KR" dirty="0"/>
+            <a:r>
+              <a:rPr lang="en-KR" dirty="0"/>
+              <a:t>Loss - Visualization</a:t>
+            </a:r>
           </a:p>
         </p:txBody>
       </p:sp>
       <p:pic>
         <p:nvPicPr>
-          <p:cNvPr id="7" name="Picture 6" descr="A diagram of a triangle with a triangle and a triangle with a triangle and a triangle with a triangle and a triangle with a triangle and a triangle with a triangle and a triangle with a triangle and&#10;&#10;AI-generated content may be incorrect.">
-            <a:extLst>
-              <a:ext uri="{FF2B5EF4-FFF2-40B4-BE49-F238E27FC236}">
-                <a16:creationId xmlns:a16="http://schemas.microsoft.com/office/drawing/2014/main" id="{6708DC2C-E8F3-0B3E-9549-473333C4A56C}"/>
+          <p:cNvPr id="5" name="Content Placeholder 4" descr="A graph of loss function&#10;&#10;AI-generated content may be incorrect.">
+            <a:extLst>
+              <a:ext uri="{FF2B5EF4-FFF2-40B4-BE49-F238E27FC236}">
+                <a16:creationId xmlns:a16="http://schemas.microsoft.com/office/drawing/2014/main" id="{C82C6CD7-C878-1E95-0AAE-0CB15ADAB266}"/>
+              </a:ext>
+            </a:extLst>
+          </p:cNvPr>
+          <p:cNvPicPr>
+            <a:picLocks noGrp="1" noChangeAspect="1"/>
+          </p:cNvPicPr>
+          <p:nvPr>
+            <p:ph idx="1"/>
+          </p:nvPr>
+        </p:nvPicPr>
+        <p:blipFill>
+          <a:blip r:embed="rId2"/>
+          <a:stretch>
+            <a:fillRect/>
+          </a:stretch>
+        </p:blipFill>
+        <p:spPr>
+          <a:xfrm>
+            <a:off x="5969000" y="2137648"/>
+            <a:ext cx="5384800" cy="4152900"/>
+          </a:xfrm>
+        </p:spPr>
+      </p:pic>
+      <p:pic>
+        <p:nvPicPr>
+          <p:cNvPr id="7" name="Picture 6" descr="A math equation with black text&#10;&#10;AI-generated content may be incorrect.">
+            <a:extLst>
+              <a:ext uri="{FF2B5EF4-FFF2-40B4-BE49-F238E27FC236}">
+                <a16:creationId xmlns:a16="http://schemas.microsoft.com/office/drawing/2014/main" id="{3B97B195-3F65-32A9-3B94-BC3874811B65}"/>
+              </a:ext>
+            </a:extLst>
+          </p:cNvPr>
+          <p:cNvPicPr>
+            <a:picLocks noChangeAspect="1"/>
+          </p:cNvPicPr>
+          <p:nvPr/>
+        </p:nvPicPr>
+        <p:blipFill>
+          <a:blip r:embed="rId3"/>
+          <a:stretch>
+            <a:fillRect/>
+          </a:stretch>
+        </p:blipFill>
+        <p:spPr>
+          <a:xfrm>
+            <a:off x="602224" y="3337388"/>
+            <a:ext cx="5075511" cy="1325563"/>
+          </a:xfrm>
+          <a:prstGeom prst="rect">
+            <a:avLst/>
+          </a:prstGeom>
+        </p:spPr>
+      </p:pic>
+    </p:spTree>
+    <p:extLst>
+      <p:ext uri="{BB962C8B-B14F-4D97-AF65-F5344CB8AC3E}">
+        <p14:creationId xmlns:p14="http://schemas.microsoft.com/office/powerpoint/2010/main" val="3632776266"/>
+      </p:ext>
+    </p:extLst>
+  </p:cSld>
+  <p:clrMapOvr>
+    <a:masterClrMapping/>
+  </p:clrMapOvr>
+</p:sld>
+</file>
+
+<file path=ppt/slides/slide8.xml><?xml version="1.0" encoding="utf-8"?>
+<p:sld xmlns:a="http://schemas.openxmlformats.org/drawingml/2006/main" xmlns:r="http://schemas.openxmlformats.org/officeDocument/2006/relationships" xmlns:p="http://schemas.openxmlformats.org/presentationml/2006/main">
+  <p:cSld>
+    <p:spTree>
+      <p:nvGrpSpPr>
+        <p:cNvPr id="1" name=""/>
+        <p:cNvGrpSpPr/>
+        <p:nvPr/>
+      </p:nvGrpSpPr>
+      <p:grpSpPr>
+        <a:xfrm>
+          <a:off x="0" y="0"/>
+          <a:ext cx="0" cy="0"/>
+          <a:chOff x="0" y="0"/>
+          <a:chExt cx="0" cy="0"/>
+        </a:xfrm>
+      </p:grpSpPr>
+      <p:sp>
+        <p:nvSpPr>
+          <p:cNvPr id="2" name="Title 1">
+            <a:extLst>
+              <a:ext uri="{FF2B5EF4-FFF2-40B4-BE49-F238E27FC236}">
+                <a16:creationId xmlns:a16="http://schemas.microsoft.com/office/drawing/2014/main" id="{405DF7AA-1237-F184-4E99-828C9C6667A3}"/>
+              </a:ext>
+            </a:extLst>
+          </p:cNvPr>
+          <p:cNvSpPr>
+            <a:spLocks noGrp="1"/>
+          </p:cNvSpPr>
+          <p:nvPr>
+            <p:ph type="title"/>
+          </p:nvPr>
+        </p:nvSpPr>
+        <p:spPr/>
+        <p:txBody>
+          <a:bodyPr/>
+          <a:lstStyle/>
+          <a:p>
+            <a:r>
+              <a:rPr lang="en-KR" dirty="0"/>
+              <a:t>GD</a:t>
+            </a:r>
+          </a:p>
+        </p:txBody>
+      </p:sp>
+      <p:pic>
+        <p:nvPicPr>
+          <p:cNvPr id="5" name="Content Placeholder 4" descr="A mathematical equation with black text&#10;&#10;AI-generated content may be incorrect.">
+            <a:extLst>
+              <a:ext uri="{FF2B5EF4-FFF2-40B4-BE49-F238E27FC236}">
+                <a16:creationId xmlns:a16="http://schemas.microsoft.com/office/drawing/2014/main" id="{03DBD723-8738-F9AF-D090-3047D70645E1}"/>
+              </a:ext>
+            </a:extLst>
+          </p:cNvPr>
+          <p:cNvPicPr>
+            <a:picLocks noGrp="1" noChangeAspect="1"/>
+          </p:cNvPicPr>
+          <p:nvPr>
+            <p:ph idx="1"/>
+          </p:nvPr>
+        </p:nvPicPr>
+        <p:blipFill>
+          <a:blip r:embed="rId2"/>
+          <a:stretch>
+            <a:fillRect/>
+          </a:stretch>
+        </p:blipFill>
+        <p:spPr>
+          <a:xfrm>
+            <a:off x="838200" y="2475065"/>
+            <a:ext cx="3570356" cy="1231695"/>
+          </a:xfrm>
+        </p:spPr>
+      </p:pic>
+      <p:pic>
+        <p:nvPicPr>
+          <p:cNvPr id="7" name="Picture 6" descr="A graph with a line and a line&#10;&#10;AI-generated content may be incorrect.">
+            <a:extLst>
+              <a:ext uri="{FF2B5EF4-FFF2-40B4-BE49-F238E27FC236}">
+                <a16:creationId xmlns:a16="http://schemas.microsoft.com/office/drawing/2014/main" id="{DB2D1C76-C2A9-68F4-B505-89D773DD62C6}"/>
+              </a:ext>
+            </a:extLst>
+          </p:cNvPr>
+          <p:cNvPicPr>
+            <a:picLocks noChangeAspect="1"/>
+          </p:cNvPicPr>
+          <p:nvPr/>
+        </p:nvPicPr>
+        <p:blipFill>
+          <a:blip r:embed="rId3"/>
+          <a:stretch>
+            <a:fillRect/>
+          </a:stretch>
+        </p:blipFill>
+        <p:spPr>
+          <a:xfrm>
+            <a:off x="5741757" y="1938536"/>
+            <a:ext cx="5190266" cy="3724184"/>
+          </a:xfrm>
+          <a:prstGeom prst="rect">
+            <a:avLst/>
+          </a:prstGeom>
+        </p:spPr>
+      </p:pic>
+      <p:sp>
+        <p:nvSpPr>
+          <p:cNvPr id="8" name="TextBox 7">
+            <a:extLst>
+              <a:ext uri="{FF2B5EF4-FFF2-40B4-BE49-F238E27FC236}">
+                <a16:creationId xmlns:a16="http://schemas.microsoft.com/office/drawing/2014/main" id="{DC7E6BF5-F610-0082-FC93-A3C8CE85199A}"/>
+              </a:ext>
+            </a:extLst>
+          </p:cNvPr>
+          <p:cNvSpPr txBox="1"/>
+          <p:nvPr/>
+        </p:nvSpPr>
+        <p:spPr>
+          <a:xfrm>
+            <a:off x="725240" y="5931199"/>
+            <a:ext cx="10515600" cy="646331"/>
+          </a:xfrm>
+          <a:prstGeom prst="rect">
+            <a:avLst/>
+          </a:prstGeom>
+          <a:noFill/>
+        </p:spPr>
+        <p:txBody>
+          <a:bodyPr wrap="square">
+            <a:spAutoFit/>
+          </a:bodyPr>
+          <a:lstStyle/>
+          <a:p>
+            <a:r>
+              <a:rPr lang="en-KR" dirty="0">
+                <a:solidFill>
+                  <a:schemeClr val="bg1">
+                    <a:lumMod val="75000"/>
+                  </a:schemeClr>
+                </a:solidFill>
+              </a:rPr>
+              <a:t>Source) </a:t>
+            </a:r>
+            <a:r>
+              <a:rPr lang="en-US" dirty="0">
+                <a:solidFill>
+                  <a:schemeClr val="bg1">
+                    <a:lumMod val="75000"/>
+                  </a:schemeClr>
+                </a:solidFill>
+              </a:rPr>
+              <a:t>https://</a:t>
+            </a:r>
+            <a:r>
+              <a:rPr lang="en-US" dirty="0" err="1">
+                <a:solidFill>
+                  <a:schemeClr val="bg1">
+                    <a:lumMod val="75000"/>
+                  </a:schemeClr>
+                </a:solidFill>
+              </a:rPr>
+              <a:t>towardsdatascience.com</a:t>
+            </a:r>
+            <a:r>
+              <a:rPr lang="en-US" dirty="0">
+                <a:solidFill>
+                  <a:schemeClr val="bg1">
+                    <a:lumMod val="75000"/>
+                  </a:schemeClr>
+                </a:solidFill>
+              </a:rPr>
+              <a:t>/back-to-basics-part-dos-linear-regression-cost-function-and-gradient-descent-e3d7d05c56fd/</a:t>
+            </a:r>
+            <a:endParaRPr lang="en-KR" dirty="0">
+              <a:solidFill>
+                <a:schemeClr val="bg1">
+                  <a:lumMod val="75000"/>
+                </a:schemeClr>
+              </a:solidFill>
+            </a:endParaRPr>
+          </a:p>
+        </p:txBody>
+      </p:sp>
+    </p:spTree>
+    <p:extLst>
+      <p:ext uri="{BB962C8B-B14F-4D97-AF65-F5344CB8AC3E}">
+        <p14:creationId xmlns:p14="http://schemas.microsoft.com/office/powerpoint/2010/main" val="480741726"/>
+      </p:ext>
+    </p:extLst>
+  </p:cSld>
+  <p:clrMapOvr>
+    <a:masterClrMapping/>
+  </p:clrMapOvr>
+</p:sld>
+</file>
+
+<file path=ppt/slides/slide9.xml><?xml version="1.0" encoding="utf-8"?>
+<p:sld xmlns:a="http://schemas.openxmlformats.org/drawingml/2006/main" xmlns:r="http://schemas.openxmlformats.org/officeDocument/2006/relationships" xmlns:p="http://schemas.openxmlformats.org/presentationml/2006/main">
+  <p:cSld>
+    <p:spTree>
+      <p:nvGrpSpPr>
+        <p:cNvPr id="1" name="">
+          <a:extLst>
+            <a:ext uri="{FF2B5EF4-FFF2-40B4-BE49-F238E27FC236}">
+              <a16:creationId xmlns:a16="http://schemas.microsoft.com/office/drawing/2014/main" id="{D97703F3-F508-1498-EAD1-4ECE2499DA1E}"/>
+            </a:ext>
+          </a:extLst>
+        </p:cNvPr>
+        <p:cNvGrpSpPr/>
+        <p:nvPr/>
+      </p:nvGrpSpPr>
+      <p:grpSpPr>
+        <a:xfrm>
+          <a:off x="0" y="0"/>
+          <a:ext cx="0" cy="0"/>
+          <a:chOff x="0" y="0"/>
+          <a:chExt cx="0" cy="0"/>
+        </a:xfrm>
+      </p:grpSpPr>
+      <p:sp>
+        <p:nvSpPr>
+          <p:cNvPr id="2" name="Title 1">
+            <a:extLst>
+              <a:ext uri="{FF2B5EF4-FFF2-40B4-BE49-F238E27FC236}">
+                <a16:creationId xmlns:a16="http://schemas.microsoft.com/office/drawing/2014/main" id="{89BE81F4-DFB2-5D19-94C8-C4F8671E4AAB}"/>
+              </a:ext>
+            </a:extLst>
+          </p:cNvPr>
+          <p:cNvSpPr>
+            <a:spLocks noGrp="1"/>
+          </p:cNvSpPr>
+          <p:nvPr>
+            <p:ph type="title"/>
+          </p:nvPr>
+        </p:nvSpPr>
+        <p:spPr/>
+        <p:txBody>
+          <a:bodyPr/>
+          <a:lstStyle/>
+          <a:p>
+            <a:r>
+              <a:rPr lang="en-KR" dirty="0"/>
+              <a:t>GD - V</a:t>
+            </a:r>
+            <a:r>
+              <a:rPr lang="en-US" dirty="0" err="1"/>
+              <a:t>isualization</a:t>
+            </a:r>
+            <a:endParaRPr lang="en-KR" dirty="0"/>
+          </a:p>
+        </p:txBody>
+      </p:sp>
+      <p:sp>
+        <p:nvSpPr>
+          <p:cNvPr id="11" name="TextBox 10">
+            <a:extLst>
+              <a:ext uri="{FF2B5EF4-FFF2-40B4-BE49-F238E27FC236}">
+                <a16:creationId xmlns:a16="http://schemas.microsoft.com/office/drawing/2014/main" id="{6B69B11A-6270-9984-6D8F-1606D1DEAF74}"/>
+              </a:ext>
+            </a:extLst>
+          </p:cNvPr>
+          <p:cNvSpPr txBox="1"/>
+          <p:nvPr/>
+        </p:nvSpPr>
+        <p:spPr>
+          <a:xfrm>
+            <a:off x="725240" y="5931199"/>
+            <a:ext cx="6097772" cy="369332"/>
+          </a:xfrm>
+          <a:prstGeom prst="rect">
+            <a:avLst/>
+          </a:prstGeom>
+          <a:noFill/>
+        </p:spPr>
+        <p:txBody>
+          <a:bodyPr wrap="square">
+            <a:spAutoFit/>
+          </a:bodyPr>
+          <a:lstStyle/>
+          <a:p>
+            <a:r>
+              <a:rPr lang="en-KR" dirty="0">
+                <a:solidFill>
+                  <a:schemeClr val="bg1">
+                    <a:lumMod val="75000"/>
+                  </a:schemeClr>
+                </a:solidFill>
+              </a:rPr>
+              <a:t>Source) https://github.com/Y0rFa1se/2025-2-HAI-STUDY</a:t>
+            </a:r>
+          </a:p>
+        </p:txBody>
+      </p:sp>
+      <p:pic>
+        <p:nvPicPr>
+          <p:cNvPr id="12" name="Picture 11" descr="A graph of a line graph&#10;&#10;AI-generated content may be incorrect.">
+            <a:extLst>
+              <a:ext uri="{FF2B5EF4-FFF2-40B4-BE49-F238E27FC236}">
+                <a16:creationId xmlns:a16="http://schemas.microsoft.com/office/drawing/2014/main" id="{F1A7DB8F-F34A-1D9B-85BA-706376A81533}"/>
               </a:ext>
             </a:extLst>
           </p:cNvPr>
@@ -4780,8 +5672,8 @@
         </p:blipFill>
         <p:spPr>
           <a:xfrm>
-            <a:off x="720961" y="2464821"/>
-            <a:ext cx="3962400" cy="3479800"/>
+            <a:off x="5892429" y="1546042"/>
+            <a:ext cx="5461371" cy="4096029"/>
           </a:xfrm>
           <a:prstGeom prst="rect">
             <a:avLst/>
@@ -4790,10 +5682,10 @@
       </p:pic>
       <p:pic>
         <p:nvPicPr>
-          <p:cNvPr id="9" name="Picture 8" descr="A paper with text and diagrams&#10;&#10;AI-generated content may be incorrect.">
-            <a:extLst>
-              <a:ext uri="{FF2B5EF4-FFF2-40B4-BE49-F238E27FC236}">
-                <a16:creationId xmlns:a16="http://schemas.microsoft.com/office/drawing/2014/main" id="{3729F581-AFEC-4EEE-E46F-E5BD89CB96B4}"/>
+          <p:cNvPr id="13" name="Picture 12" descr="A graph of loss function&#10;&#10;AI-generated content may be incorrect.">
+            <a:extLst>
+              <a:ext uri="{FF2B5EF4-FFF2-40B4-BE49-F238E27FC236}">
+                <a16:creationId xmlns:a16="http://schemas.microsoft.com/office/drawing/2014/main" id="{7169A41D-B97A-4649-CAF5-18AB6C65CF60}"/>
               </a:ext>
             </a:extLst>
           </p:cNvPr>
@@ -4810,8 +5702,8 @@
         </p:blipFill>
         <p:spPr>
           <a:xfrm>
-            <a:off x="5116068" y="0"/>
-            <a:ext cx="6518767" cy="6858000"/>
+            <a:off x="602451" y="1546042"/>
+            <a:ext cx="5461371" cy="4096029"/>
           </a:xfrm>
           <a:prstGeom prst="rect">
             <a:avLst/>
@@ -4821,7 +5713,7 @@
     </p:spTree>
     <p:extLst>
       <p:ext uri="{BB962C8B-B14F-4D97-AF65-F5344CB8AC3E}">
-        <p14:creationId xmlns:p14="http://schemas.microsoft.com/office/powerpoint/2010/main" val="371707167"/>
+        <p14:creationId xmlns:p14="http://schemas.microsoft.com/office/powerpoint/2010/main" val="1290313694"/>
       </p:ext>
     </p:extLst>
   </p:cSld>

--- a/1/DL.pptx
+++ b/1/DL.pptx
@@ -16,6 +16,7 @@
     <p:sldId id="269" r:id="rId10"/>
     <p:sldId id="270" r:id="rId11"/>
     <p:sldId id="271" r:id="rId12"/>
+    <p:sldId id="272" r:id="rId13"/>
   </p:sldIdLst>
   <p:sldSz cx="12192000" cy="6858000"/>
   <p:notesSz cx="6858000" cy="9144000"/>
@@ -3888,6 +3889,153 @@
     <p:extLst>
       <p:ext uri="{BB962C8B-B14F-4D97-AF65-F5344CB8AC3E}">
         <p14:creationId xmlns:p14="http://schemas.microsoft.com/office/powerpoint/2010/main" val="2727077352"/>
+      </p:ext>
+    </p:extLst>
+  </p:cSld>
+  <p:clrMapOvr>
+    <a:masterClrMapping/>
+  </p:clrMapOvr>
+</p:sld>
+</file>
+
+<file path=ppt/slides/slide12.xml><?xml version="1.0" encoding="utf-8"?>
+<p:sld xmlns:a="http://schemas.openxmlformats.org/drawingml/2006/main" xmlns:r="http://schemas.openxmlformats.org/officeDocument/2006/relationships" xmlns:p="http://schemas.openxmlformats.org/presentationml/2006/main">
+  <p:cSld>
+    <p:spTree>
+      <p:nvGrpSpPr>
+        <p:cNvPr id="1" name=""/>
+        <p:cNvGrpSpPr/>
+        <p:nvPr/>
+      </p:nvGrpSpPr>
+      <p:grpSpPr>
+        <a:xfrm>
+          <a:off x="0" y="0"/>
+          <a:ext cx="0" cy="0"/>
+          <a:chOff x="0" y="0"/>
+          <a:chExt cx="0" cy="0"/>
+        </a:xfrm>
+      </p:grpSpPr>
+      <p:sp>
+        <p:nvSpPr>
+          <p:cNvPr id="2" name="Title 1">
+            <a:extLst>
+              <a:ext uri="{FF2B5EF4-FFF2-40B4-BE49-F238E27FC236}">
+                <a16:creationId xmlns:a16="http://schemas.microsoft.com/office/drawing/2014/main" id="{B15AB145-47BC-720E-6FD1-8780868F731D}"/>
+              </a:ext>
+            </a:extLst>
+          </p:cNvPr>
+          <p:cNvSpPr>
+            <a:spLocks noGrp="1"/>
+          </p:cNvSpPr>
+          <p:nvPr>
+            <p:ph type="title"/>
+          </p:nvPr>
+        </p:nvSpPr>
+        <p:spPr/>
+        <p:txBody>
+          <a:bodyPr/>
+          <a:lstStyle/>
+          <a:p>
+            <a:r>
+              <a:rPr lang="en-KR" dirty="0"/>
+              <a:t>DL Models</a:t>
+            </a:r>
+          </a:p>
+        </p:txBody>
+      </p:sp>
+      <p:pic>
+        <p:nvPicPr>
+          <p:cNvPr id="6" name="Content Placeholder 5" descr="A comparison of a graph and a diagram&#10;&#10;AI-generated content may be incorrect.">
+            <a:extLst>
+              <a:ext uri="{FF2B5EF4-FFF2-40B4-BE49-F238E27FC236}">
+                <a16:creationId xmlns:a16="http://schemas.microsoft.com/office/drawing/2014/main" id="{CD96F8EF-0961-E631-EA0F-775F507A294A}"/>
+              </a:ext>
+            </a:extLst>
+          </p:cNvPr>
+          <p:cNvPicPr>
+            <a:picLocks noGrp="1" noChangeAspect="1"/>
+          </p:cNvPicPr>
+          <p:nvPr>
+            <p:ph idx="1"/>
+          </p:nvPr>
+        </p:nvPicPr>
+        <p:blipFill>
+          <a:blip r:embed="rId2"/>
+          <a:stretch>
+            <a:fillRect/>
+          </a:stretch>
+        </p:blipFill>
+        <p:spPr>
+          <a:xfrm>
+            <a:off x="3696055" y="2470992"/>
+            <a:ext cx="4501740" cy="2250870"/>
+          </a:xfrm>
+        </p:spPr>
+      </p:pic>
+      <p:pic>
+        <p:nvPicPr>
+          <p:cNvPr id="8" name="Picture 7" descr="A diagram of a network&#10;&#10;AI-generated content may be incorrect.">
+            <a:extLst>
+              <a:ext uri="{FF2B5EF4-FFF2-40B4-BE49-F238E27FC236}">
+                <a16:creationId xmlns:a16="http://schemas.microsoft.com/office/drawing/2014/main" id="{D7EDEF17-3246-D901-C604-FC2738FAB03D}"/>
+              </a:ext>
+            </a:extLst>
+          </p:cNvPr>
+          <p:cNvPicPr>
+            <a:picLocks noChangeAspect="1"/>
+          </p:cNvPicPr>
+          <p:nvPr/>
+        </p:nvPicPr>
+        <p:blipFill>
+          <a:blip r:embed="rId3"/>
+          <a:stretch>
+            <a:fillRect/>
+          </a:stretch>
+        </p:blipFill>
+        <p:spPr>
+          <a:xfrm>
+            <a:off x="8197795" y="2552594"/>
+            <a:ext cx="3863671" cy="2169268"/>
+          </a:xfrm>
+          <a:prstGeom prst="rect">
+            <a:avLst/>
+          </a:prstGeom>
+        </p:spPr>
+      </p:pic>
+      <p:pic>
+        <p:nvPicPr>
+          <p:cNvPr id="10" name="Picture 9" descr="A screenshot of a computer&#10;&#10;AI-generated content may be incorrect.">
+            <a:extLst>
+              <a:ext uri="{FF2B5EF4-FFF2-40B4-BE49-F238E27FC236}">
+                <a16:creationId xmlns:a16="http://schemas.microsoft.com/office/drawing/2014/main" id="{898D6276-4263-0087-6850-2587F9AC5ADE}"/>
+              </a:ext>
+            </a:extLst>
+          </p:cNvPr>
+          <p:cNvPicPr>
+            <a:picLocks noChangeAspect="1"/>
+          </p:cNvPicPr>
+          <p:nvPr/>
+        </p:nvPicPr>
+        <p:blipFill>
+          <a:blip r:embed="rId4"/>
+          <a:stretch>
+            <a:fillRect/>
+          </a:stretch>
+        </p:blipFill>
+        <p:spPr>
+          <a:xfrm>
+            <a:off x="310101" y="2404385"/>
+            <a:ext cx="3018474" cy="2384083"/>
+          </a:xfrm>
+          <a:prstGeom prst="rect">
+            <a:avLst/>
+          </a:prstGeom>
+        </p:spPr>
+      </p:pic>
+    </p:spTree>
+    <p:extLst>
+      <p:ext uri="{BB962C8B-B14F-4D97-AF65-F5344CB8AC3E}">
+        <p14:creationId xmlns:p14="http://schemas.microsoft.com/office/powerpoint/2010/main" val="405731576"/>
       </p:ext>
     </p:extLst>
   </p:cSld>
